--- a/presentation.pptx
+++ b/presentation.pptx
@@ -8286,10 +8286,17 @@
     <mc:Choice Requires="p14">
       <p:transition spd="slow" p14:dur="2000"/>
     </mc:Choice>
-    <mc:Fallback xmlns="" xmlns:p15="http://schemas.microsoft.com/office/powerpoint/2012/main">
+    <mc:Fallback xmlns:p15="http://schemas.microsoft.com/office/powerpoint/2012/main" xmlns="">
       <p:transition spd="slow"/>
     </mc:Fallback>
   </mc:AlternateContent>
+  <p:timing>
+    <p:tnLst>
+      <p:par>
+        <p:cTn id="1" dur="indefinite" restart="never" nodeType="tmRoot"/>
+      </p:par>
+    </p:tnLst>
+  </p:timing>
 </p:sld>
 </file>
 
@@ -8684,10 +8691,17 @@
     <mc:Choice Requires="p14">
       <p:transition spd="slow" p14:dur="2000"/>
     </mc:Choice>
-    <mc:Fallback xmlns="" xmlns:p15="http://schemas.microsoft.com/office/powerpoint/2012/main">
+    <mc:Fallback xmlns:p15="http://schemas.microsoft.com/office/powerpoint/2012/main" xmlns="">
       <p:transition spd="slow"/>
     </mc:Fallback>
   </mc:AlternateContent>
+  <p:timing>
+    <p:tnLst>
+      <p:par>
+        <p:cTn id="1" dur="indefinite" restart="never" nodeType="tmRoot"/>
+      </p:par>
+    </p:tnLst>
+  </p:timing>
 </p:sld>
 </file>
 
@@ -8948,10 +8962,17 @@
     <mc:Choice Requires="p14">
       <p:transition spd="slow" p14:dur="2000"/>
     </mc:Choice>
-    <mc:Fallback xmlns="" xmlns:p15="http://schemas.microsoft.com/office/powerpoint/2012/main">
+    <mc:Fallback xmlns:p15="http://schemas.microsoft.com/office/powerpoint/2012/main" xmlns="">
       <p:transition spd="slow"/>
     </mc:Fallback>
   </mc:AlternateContent>
+  <p:timing>
+    <p:tnLst>
+      <p:par>
+        <p:cTn id="1" dur="indefinite" restart="never" nodeType="tmRoot"/>
+      </p:par>
+    </p:tnLst>
+  </p:timing>
 </p:sld>
 </file>
 
@@ -9182,10 +9203,17 @@
     <mc:Choice Requires="p14">
       <p:transition spd="slow" p14:dur="2000"/>
     </mc:Choice>
-    <mc:Fallback xmlns="" xmlns:p15="http://schemas.microsoft.com/office/powerpoint/2012/main">
+    <mc:Fallback xmlns:p15="http://schemas.microsoft.com/office/powerpoint/2012/main" xmlns="">
       <p:transition spd="slow"/>
     </mc:Fallback>
   </mc:AlternateContent>
+  <p:timing>
+    <p:tnLst>
+      <p:par>
+        <p:cTn id="1" dur="indefinite" restart="never" nodeType="tmRoot"/>
+      </p:par>
+    </p:tnLst>
+  </p:timing>
 </p:sld>
 </file>
 
@@ -9337,10 +9365,17 @@
     <mc:Choice Requires="p14">
       <p:transition spd="slow" p14:dur="2000"/>
     </mc:Choice>
-    <mc:Fallback xmlns="" xmlns:p15="http://schemas.microsoft.com/office/powerpoint/2012/main">
+    <mc:Fallback xmlns:p15="http://schemas.microsoft.com/office/powerpoint/2012/main" xmlns="">
       <p:transition spd="slow"/>
     </mc:Fallback>
   </mc:AlternateContent>
+  <p:timing>
+    <p:tnLst>
+      <p:par>
+        <p:cTn id="1" dur="indefinite" restart="never" nodeType="tmRoot"/>
+      </p:par>
+    </p:tnLst>
+  </p:timing>
 </p:sld>
 </file>
 
@@ -9572,10 +9607,17 @@
     <mc:Choice Requires="p14">
       <p:transition spd="slow" p14:dur="2000"/>
     </mc:Choice>
-    <mc:Fallback xmlns="" xmlns:p15="http://schemas.microsoft.com/office/powerpoint/2012/main">
+    <mc:Fallback xmlns:p15="http://schemas.microsoft.com/office/powerpoint/2012/main" xmlns="">
       <p:transition spd="slow"/>
     </mc:Fallback>
   </mc:AlternateContent>
+  <p:timing>
+    <p:tnLst>
+      <p:par>
+        <p:cTn id="1" dur="indefinite" restart="never" nodeType="tmRoot"/>
+      </p:par>
+    </p:tnLst>
+  </p:timing>
 </p:sld>
 </file>
 
@@ -9807,10 +9849,17 @@
     <mc:Choice Requires="p14">
       <p:transition spd="slow" p14:dur="2000"/>
     </mc:Choice>
-    <mc:Fallback xmlns="" xmlns:p15="http://schemas.microsoft.com/office/powerpoint/2012/main">
+    <mc:Fallback xmlns:p15="http://schemas.microsoft.com/office/powerpoint/2012/main" xmlns="">
       <p:transition spd="slow"/>
     </mc:Fallback>
   </mc:AlternateContent>
+  <p:timing>
+    <p:tnLst>
+      <p:par>
+        <p:cTn id="1" dur="indefinite" restart="never" nodeType="tmRoot"/>
+      </p:par>
+    </p:tnLst>
+  </p:timing>
 </p:sld>
 </file>
 
@@ -10126,10 +10175,17 @@
     <mc:Choice Requires="p14">
       <p:transition spd="slow" p14:dur="2000"/>
     </mc:Choice>
-    <mc:Fallback xmlns="" xmlns:p15="http://schemas.microsoft.com/office/powerpoint/2012/main">
+    <mc:Fallback xmlns:p15="http://schemas.microsoft.com/office/powerpoint/2012/main" xmlns="">
       <p:transition spd="slow"/>
     </mc:Fallback>
   </mc:AlternateContent>
+  <p:timing>
+    <p:tnLst>
+      <p:par>
+        <p:cTn id="1" dur="indefinite" restart="never" nodeType="tmRoot"/>
+      </p:par>
+    </p:tnLst>
+  </p:timing>
 </p:sld>
 </file>
 
@@ -10371,10 +10427,17 @@
     <mc:Choice Requires="p14">
       <p:transition spd="slow" p14:dur="2000"/>
     </mc:Choice>
-    <mc:Fallback xmlns="" xmlns:p15="http://schemas.microsoft.com/office/powerpoint/2012/main">
+    <mc:Fallback xmlns:p15="http://schemas.microsoft.com/office/powerpoint/2012/main" xmlns="">
       <p:transition spd="slow"/>
     </mc:Fallback>
   </mc:AlternateContent>
+  <p:timing>
+    <p:tnLst>
+      <p:par>
+        <p:cTn id="1" dur="indefinite" restart="never" nodeType="tmRoot"/>
+      </p:par>
+    </p:tnLst>
+  </p:timing>
 </p:sld>
 </file>
 
@@ -10690,10 +10753,17 @@
     <mc:Choice Requires="p14">
       <p:transition spd="slow" p14:dur="2000"/>
     </mc:Choice>
-    <mc:Fallback xmlns="" xmlns:p15="http://schemas.microsoft.com/office/powerpoint/2012/main">
+    <mc:Fallback xmlns:p15="http://schemas.microsoft.com/office/powerpoint/2012/main" xmlns="">
       <p:transition spd="slow"/>
     </mc:Fallback>
   </mc:AlternateContent>
+  <p:timing>
+    <p:tnLst>
+      <p:par>
+        <p:cTn id="1" dur="indefinite" restart="never" nodeType="tmRoot"/>
+      </p:par>
+    </p:tnLst>
+  </p:timing>
 </p:sld>
 </file>
 
@@ -10935,10 +11005,17 @@
     <mc:Choice Requires="p14">
       <p:transition spd="slow" p14:dur="2000"/>
     </mc:Choice>
-    <mc:Fallback xmlns="" xmlns:p15="http://schemas.microsoft.com/office/powerpoint/2012/main">
+    <mc:Fallback xmlns:p15="http://schemas.microsoft.com/office/powerpoint/2012/main" xmlns="">
       <p:transition spd="slow"/>
     </mc:Fallback>
   </mc:AlternateContent>
+  <p:timing>
+    <p:tnLst>
+      <p:par>
+        <p:cTn id="1" dur="indefinite" restart="never" nodeType="tmRoot"/>
+      </p:par>
+    </p:tnLst>
+  </p:timing>
 </p:sld>
 </file>
 
@@ -10992,7 +11069,7 @@
         </p:style>
         <p:txBody>
           <a:bodyPr lIns="90000" tIns="45000" rIns="90000" bIns="45000" anchor="ctr">
-            <a:normAutofit/>
+            <a:normAutofit lnSpcReduction="10000"/>
           </a:bodyPr>
           <a:lstStyle/>
           <a:p>
@@ -11170,10 +11247,17 @@
     <mc:Choice Requires="p14">
       <p:transition spd="slow" p14:dur="2000"/>
     </mc:Choice>
-    <mc:Fallback xmlns="" xmlns:p15="http://schemas.microsoft.com/office/powerpoint/2012/main">
+    <mc:Fallback xmlns:p15="http://schemas.microsoft.com/office/powerpoint/2012/main" xmlns="">
       <p:transition spd="slow"/>
     </mc:Fallback>
   </mc:AlternateContent>
+  <p:timing>
+    <p:tnLst>
+      <p:par>
+        <p:cTn id="1" dur="indefinite" restart="never" nodeType="tmRoot"/>
+      </p:par>
+    </p:tnLst>
+  </p:timing>
 </p:sld>
 </file>
 
@@ -11424,7 +11508,7 @@
     <mc:Choice Requires="p14">
       <p:transition spd="slow" p14:dur="2000"/>
     </mc:Choice>
-    <mc:Fallback xmlns="" xmlns:p15="http://schemas.microsoft.com/office/powerpoint/2012/main">
+    <mc:Fallback xmlns:p15="http://schemas.microsoft.com/office/powerpoint/2012/main" xmlns="">
       <p:transition spd="slow"/>
     </mc:Fallback>
   </mc:AlternateContent>
@@ -11697,7 +11781,7 @@
     <mc:Choice Requires="p14">
       <p:transition spd="slow" p14:dur="2000"/>
     </mc:Choice>
-    <mc:Fallback xmlns="" xmlns:p15="http://schemas.microsoft.com/office/powerpoint/2012/main">
+    <mc:Fallback xmlns:p15="http://schemas.microsoft.com/office/powerpoint/2012/main" xmlns="">
       <p:transition spd="slow"/>
     </mc:Fallback>
   </mc:AlternateContent>
@@ -11902,7 +11986,7 @@
               </a:lnSpc>
             </a:pPr>
             <a:r>
-              <a:rPr lang="en-US" sz="1800" b="0" strike="noStrike" spc="-1">
+              <a:rPr lang="en-US" sz="1800" b="0" strike="noStrike" spc="-1" dirty="0">
                 <a:latin typeface="Arial"/>
               </a:rPr>
               <a:t>How about Filter? </a:t>
@@ -11915,7 +11999,7 @@
               </a:lnSpc>
             </a:pPr>
             <a:r>
-              <a:rPr lang="en-US" sz="1800" b="0" strike="noStrike" spc="-1">
+              <a:rPr lang="en-US" sz="1800" b="0" strike="noStrike" spc="-1" dirty="0">
                 <a:latin typeface="Arial"/>
               </a:rPr>
               <a:t>Again all the codes are the same. With respect to the fact that the amount of data is not sufficient.</a:t>
@@ -11927,7 +12011,7 @@
                 <a:spcPct val="100000"/>
               </a:lnSpc>
             </a:pPr>
-            <a:endParaRPr lang="en-US" sz="1800" b="0" strike="noStrike" spc="-1">
+            <a:endParaRPr lang="en-US" sz="1800" b="0" strike="noStrike" spc="-1" dirty="0">
               <a:latin typeface="Arial"/>
             </a:endParaRPr>
           </a:p>
@@ -11938,7 +12022,7 @@
               </a:lnSpc>
             </a:pPr>
             <a:r>
-              <a:rPr lang="en-US" sz="1800" b="0" strike="noStrike" spc="-1">
+              <a:rPr lang="en-US" sz="1800" b="0" strike="noStrike" spc="-1" dirty="0">
                 <a:latin typeface="Arial"/>
               </a:rPr>
               <a:t>You Judge :) </a:t>
@@ -11955,10 +12039,17 @@
     <mc:Choice Requires="p14">
       <p:transition spd="slow" p14:dur="2000"/>
     </mc:Choice>
-    <mc:Fallback xmlns="" xmlns:p15="http://schemas.microsoft.com/office/powerpoint/2012/main">
+    <mc:Fallback xmlns:p15="http://schemas.microsoft.com/office/powerpoint/2012/main" xmlns="">
       <p:transition spd="slow"/>
     </mc:Fallback>
   </mc:AlternateContent>
+  <p:timing>
+    <p:tnLst>
+      <p:par>
+        <p:cTn id="1" dur="indefinite" restart="never" nodeType="tmRoot"/>
+      </p:par>
+    </p:tnLst>
+  </p:timing>
 </p:sld>
 </file>
 
@@ -12110,10 +12201,17 @@
     <mc:Choice Requires="p14">
       <p:transition spd="slow" p14:dur="2000"/>
     </mc:Choice>
-    <mc:Fallback xmlns="" xmlns:p15="http://schemas.microsoft.com/office/powerpoint/2012/main">
+    <mc:Fallback xmlns:p15="http://schemas.microsoft.com/office/powerpoint/2012/main" xmlns="">
       <p:transition spd="slow"/>
     </mc:Fallback>
   </mc:AlternateContent>
+  <p:timing>
+    <p:tnLst>
+      <p:par>
+        <p:cTn id="1" dur="indefinite" restart="never" nodeType="tmRoot"/>
+      </p:par>
+    </p:tnLst>
+  </p:timing>
 </p:sld>
 </file>
 
@@ -12142,8 +12240,8 @@
         </p:nvSpPr>
         <p:spPr>
           <a:xfrm>
-            <a:off x="628560" y="365040"/>
-            <a:ext cx="7886160" cy="987840"/>
+            <a:off x="435108" y="372901"/>
+            <a:ext cx="8461012" cy="987840"/>
           </a:xfrm>
           <a:prstGeom prst="rect">
             <a:avLst/>
@@ -12257,8 +12355,8 @@
         </p:nvSpPr>
         <p:spPr>
           <a:xfrm>
-            <a:off x="898977" y="1352880"/>
-            <a:ext cx="6766200" cy="1383600"/>
+            <a:off x="429658" y="785822"/>
+            <a:ext cx="8361802" cy="833814"/>
           </a:xfrm>
           <a:prstGeom prst="rect">
             <a:avLst/>
@@ -12305,7 +12403,59 @@
               <a:rPr lang="en-US" sz="1800" b="0" strike="noStrike" spc="-1" dirty="0" smtClean="0">
                 <a:latin typeface="Arial"/>
               </a:rPr>
-              <a:t>In this Query I am using sort by function and map function for getting Results</a:t>
+              <a:t>In this </a:t>
+            </a:r>
+            <a:r>
+              <a:rPr lang="en-US" sz="1800" b="0" strike="noStrike" spc="-1" dirty="0" err="1" smtClean="0">
+                <a:latin typeface="Arial"/>
+              </a:rPr>
+              <a:t>rdd</a:t>
+            </a:r>
+            <a:r>
+              <a:rPr lang="en-US" sz="1800" b="0" strike="noStrike" spc="-1" dirty="0" smtClean="0">
+                <a:latin typeface="Arial"/>
+              </a:rPr>
+              <a:t> query </a:t>
+            </a:r>
+            <a:r>
+              <a:rPr lang="en-US" sz="1800" b="0" strike="noStrike" spc="-1" dirty="0" smtClean="0">
+                <a:latin typeface="Arial"/>
+              </a:rPr>
+              <a:t>I am </a:t>
+            </a:r>
+            <a:r>
+              <a:rPr lang="en-US" sz="1800" b="0" strike="noStrike" spc="-1" dirty="0" smtClean="0">
+                <a:latin typeface="Arial"/>
+              </a:rPr>
+              <a:t>using </a:t>
+            </a:r>
+            <a:r>
+              <a:rPr lang="en-US" sz="1800" b="0" strike="noStrike" spc="-1" dirty="0" smtClean="0">
+                <a:latin typeface="Arial"/>
+              </a:rPr>
+              <a:t>sort by </a:t>
+            </a:r>
+            <a:r>
+              <a:rPr lang="en-US" sz="1800" b="0" strike="noStrike" spc="-1" dirty="0" smtClean="0">
+                <a:latin typeface="Arial"/>
+              </a:rPr>
+              <a:t>function </a:t>
+            </a:r>
+            <a:r>
+              <a:rPr lang="en-US" sz="1800" b="0" strike="noStrike" spc="-1" dirty="0" smtClean="0">
+                <a:latin typeface="Arial"/>
+              </a:rPr>
+              <a:t>and map function for getting </a:t>
+            </a:r>
+            <a:r>
+              <a:rPr lang="en-US" spc="-1" dirty="0"/>
+              <a:t>corresponding </a:t>
+            </a:r>
+            <a:r>
+              <a:rPr lang="en-US" sz="1800" b="0" strike="noStrike" spc="-1" dirty="0" smtClean="0">
+                <a:latin typeface="Arial"/>
+              </a:rPr>
+              <a:t>Results</a:t>
             </a:r>
             <a:endParaRPr lang="en-US" sz="1800" b="0" strike="noStrike" spc="-1" dirty="0">
               <a:latin typeface="Arial"/>
@@ -12329,8 +12479,8 @@
         </p:blipFill>
         <p:spPr>
           <a:xfrm>
-            <a:off x="253330" y="2271480"/>
-            <a:ext cx="8813552" cy="4267200"/>
+            <a:off x="330448" y="1646812"/>
+            <a:ext cx="8670333" cy="4423637"/>
           </a:xfrm>
           <a:prstGeom prst="rect">
             <a:avLst/>
@@ -12355,6 +12505,13 @@
       <p:transition spd="slow"/>
     </mc:Fallback>
   </mc:AlternateContent>
+  <p:timing>
+    <p:tnLst>
+      <p:par>
+        <p:cTn id="1" dur="indefinite" restart="never" nodeType="tmRoot"/>
+      </p:par>
+    </p:tnLst>
+  </p:timing>
 </p:sld>
 </file>
 
@@ -12383,8 +12540,8 @@
         </p:nvSpPr>
         <p:spPr>
           <a:xfrm>
-            <a:off x="628560" y="365040"/>
-            <a:ext cx="7886160" cy="987840"/>
+            <a:off x="418641" y="111652"/>
+            <a:ext cx="8493645" cy="987840"/>
           </a:xfrm>
           <a:prstGeom prst="rect">
             <a:avLst/>
@@ -12425,8 +12582,67 @@
                 <a:latin typeface="Roboto Slab"/>
                 <a:ea typeface="Roboto Slab"/>
               </a:rPr>
-              <a:t>Q2 select top 10 teams with its wining percentage and with total points</a:t>
+              <a:t>Q2 select top 10 teams with its wining percentage and with total </a:t>
             </a:r>
+            <a:r>
+              <a:rPr lang="en-US" sz="2800" b="1" strike="noStrike" spc="-1" dirty="0" smtClean="0">
+                <a:solidFill>
+                  <a:srgbClr val="474747"/>
+                </a:solidFill>
+                <a:latin typeface="Roboto Slab"/>
+                <a:ea typeface="Roboto Slab"/>
+              </a:rPr>
+              <a:t>points?</a:t>
+            </a:r>
+          </a:p>
+          <a:p>
+            <a:pPr>
+              <a:lnSpc>
+                <a:spcPct val="100000"/>
+              </a:lnSpc>
+            </a:pPr>
+            <a:endParaRPr lang="en-US" sz="2800" spc="-1" dirty="0"/>
+          </a:p>
+          <a:p>
+            <a:pPr>
+              <a:lnSpc>
+                <a:spcPct val="100000"/>
+              </a:lnSpc>
+            </a:pPr>
+            <a:r>
+              <a:rPr lang="en-US" spc="-1" dirty="0" smtClean="0"/>
+              <a:t>In this Query I am using again sort by function and map function for getting </a:t>
+            </a:r>
+            <a:r>
+              <a:rPr lang="en-US" spc="-1" dirty="0"/>
+              <a:t>corresponding </a:t>
+            </a:r>
+            <a:r>
+              <a:rPr lang="en-US" spc="-1" dirty="0" smtClean="0"/>
+              <a:t>Results</a:t>
+            </a:r>
+            <a:endParaRPr lang="en-US" spc="-1" dirty="0"/>
+          </a:p>
+          <a:p>
+            <a:pPr>
+              <a:lnSpc>
+                <a:spcPct val="100000"/>
+              </a:lnSpc>
+            </a:pPr>
+            <a:endParaRPr lang="en-US" sz="2800" b="1" spc="-1" dirty="0">
+              <a:solidFill>
+                <a:srgbClr val="474747"/>
+              </a:solidFill>
+              <a:latin typeface="Roboto Slab"/>
+              <a:ea typeface="Roboto Slab"/>
+            </a:endParaRPr>
+          </a:p>
+          <a:p>
+            <a:pPr>
+              <a:lnSpc>
+                <a:spcPct val="100000"/>
+              </a:lnSpc>
+            </a:pPr>
             <a:endParaRPr lang="en-US" sz="2800" b="0" strike="noStrike" spc="-1" dirty="0">
               <a:latin typeface="Arial"/>
             </a:endParaRPr>
@@ -12554,8 +12770,8 @@
         </p:blipFill>
         <p:spPr>
           <a:xfrm>
-            <a:off x="374573" y="1491574"/>
-            <a:ext cx="8681292" cy="4226180"/>
+            <a:off x="110169" y="2009749"/>
+            <a:ext cx="8912286" cy="4528931"/>
           </a:xfrm>
           <a:prstGeom prst="rect">
             <a:avLst/>
@@ -12580,6 +12796,13 @@
       <p:transition spd="slow"/>
     </mc:Fallback>
   </mc:AlternateContent>
+  <p:timing>
+    <p:tnLst>
+      <p:par>
+        <p:cTn id="1" dur="indefinite" restart="never" nodeType="tmRoot"/>
+      </p:par>
+    </p:tnLst>
+  </p:timing>
 </p:sld>
 </file>
 
@@ -12608,8 +12831,8 @@
         </p:nvSpPr>
         <p:spPr>
           <a:xfrm>
-            <a:off x="628560" y="365040"/>
-            <a:ext cx="7886160" cy="987840"/>
+            <a:off x="242011" y="210804"/>
+            <a:ext cx="8901989" cy="987840"/>
           </a:xfrm>
           <a:prstGeom prst="rect">
             <a:avLst/>
@@ -12779,14 +13002,60 @@
         </p:blipFill>
         <p:spPr>
           <a:xfrm>
-            <a:off x="209320" y="1352880"/>
-            <a:ext cx="8659258" cy="5514975"/>
+            <a:off x="242011" y="1614920"/>
+            <a:ext cx="8659258" cy="4741600"/>
           </a:xfrm>
           <a:prstGeom prst="rect">
             <a:avLst/>
           </a:prstGeom>
         </p:spPr>
       </p:pic>
+      <p:sp>
+        <p:nvSpPr>
+          <p:cNvPr id="3" name="Rectangle 2"/>
+          <p:cNvSpPr/>
+          <p:nvPr/>
+        </p:nvSpPr>
+        <p:spPr>
+          <a:xfrm>
+            <a:off x="468216" y="1007057"/>
+            <a:ext cx="8543581" cy="646331"/>
+          </a:xfrm>
+          <a:prstGeom prst="rect">
+            <a:avLst/>
+          </a:prstGeom>
+        </p:spPr>
+        <p:txBody>
+          <a:bodyPr wrap="square">
+            <a:spAutoFit/>
+          </a:bodyPr>
+          <a:lstStyle/>
+          <a:p>
+            <a:pPr>
+              <a:lnSpc>
+                <a:spcPct val="100000"/>
+              </a:lnSpc>
+            </a:pPr>
+            <a:r>
+              <a:rPr lang="en-US" spc="-1" dirty="0"/>
+              <a:t>In this Query I am using </a:t>
+            </a:r>
+            <a:r>
+              <a:rPr lang="en-US" spc="-1" dirty="0" smtClean="0"/>
+              <a:t>group by function map by values function </a:t>
+            </a:r>
+            <a:r>
+              <a:rPr lang="en-US" spc="-1" dirty="0"/>
+              <a:t>and map function for </a:t>
+            </a:r>
+            <a:r>
+              <a:rPr lang="en-US" spc="-1" dirty="0" smtClean="0"/>
+              <a:t>getting corresponding Results</a:t>
+            </a:r>
+            <a:endParaRPr lang="en-US" spc="-1" dirty="0"/>
+          </a:p>
+        </p:txBody>
+      </p:sp>
     </p:spTree>
     <p:extLst>
       <p:ext uri="{BB962C8B-B14F-4D97-AF65-F5344CB8AC3E}">
@@ -12805,6 +13074,13 @@
       <p:transition spd="slow"/>
     </mc:Fallback>
   </mc:AlternateContent>
+  <p:timing>
+    <p:tnLst>
+      <p:par>
+        <p:cTn id="1" dur="indefinite" restart="never" nodeType="tmRoot"/>
+      </p:par>
+    </p:tnLst>
+  </p:timing>
 </p:sld>
 </file>
 
@@ -12833,7 +13109,7 @@
         </p:nvSpPr>
         <p:spPr>
           <a:xfrm>
-            <a:off x="628560" y="365040"/>
+            <a:off x="269553" y="63907"/>
             <a:ext cx="7886160" cy="987840"/>
           </a:xfrm>
           <a:prstGeom prst="rect">
@@ -13004,7 +13280,7 @@
         </p:blipFill>
         <p:spPr>
           <a:xfrm>
-            <a:off x="307154" y="1352880"/>
+            <a:off x="108850" y="1769986"/>
             <a:ext cx="8207566" cy="4899276"/>
           </a:xfrm>
           <a:prstGeom prst="rect">
@@ -13012,6 +13288,48 @@
           </a:prstGeom>
         </p:spPr>
       </p:pic>
+      <p:sp>
+        <p:nvSpPr>
+          <p:cNvPr id="2" name="Rectangle 1"/>
+          <p:cNvSpPr/>
+          <p:nvPr/>
+        </p:nvSpPr>
+        <p:spPr>
+          <a:xfrm>
+            <a:off x="324998" y="846656"/>
+            <a:ext cx="7991418" cy="646331"/>
+          </a:xfrm>
+          <a:prstGeom prst="rect">
+            <a:avLst/>
+          </a:prstGeom>
+        </p:spPr>
+        <p:txBody>
+          <a:bodyPr wrap="square">
+            <a:spAutoFit/>
+          </a:bodyPr>
+          <a:lstStyle/>
+          <a:p>
+            <a:pPr>
+              <a:lnSpc>
+                <a:spcPct val="100000"/>
+              </a:lnSpc>
+            </a:pPr>
+            <a:r>
+              <a:rPr lang="en-US" spc="-1" dirty="0"/>
+              <a:t>In this Query I am </a:t>
+            </a:r>
+            <a:r>
+              <a:rPr lang="en-US" spc="-1" dirty="0" smtClean="0"/>
+              <a:t>using again </a:t>
+            </a:r>
+            <a:r>
+              <a:rPr lang="en-US" spc="-1" dirty="0"/>
+              <a:t>group by function map by values function and map function for getting corresponding Results</a:t>
+            </a:r>
+            <a:endParaRPr lang="en-US" spc="-1" dirty="0"/>
+          </a:p>
+        </p:txBody>
+      </p:sp>
     </p:spTree>
     <p:extLst>
       <p:ext uri="{BB962C8B-B14F-4D97-AF65-F5344CB8AC3E}">
@@ -13030,6 +13348,13 @@
       <p:transition spd="slow"/>
     </mc:Fallback>
   </mc:AlternateContent>
+  <p:timing>
+    <p:tnLst>
+      <p:par>
+        <p:cTn id="1" dur="indefinite" restart="never" nodeType="tmRoot"/>
+      </p:par>
+    </p:tnLst>
+  </p:timing>
 </p:sld>
 </file>
 
@@ -13100,7 +13425,17 @@
                 <a:latin typeface="Roboto Slab"/>
                 <a:ea typeface="Roboto Slab"/>
               </a:rPr>
-              <a:t>Q5 In this Query Reduce by key and calculate the average by the key</a:t>
+              <a:t>Q5 In this Query Reduce by key and calculate the average by the </a:t>
+            </a:r>
+            <a:r>
+              <a:rPr lang="en-US" sz="2800" b="1" strike="noStrike" spc="-1" dirty="0" smtClean="0">
+                <a:solidFill>
+                  <a:srgbClr val="474747"/>
+                </a:solidFill>
+                <a:latin typeface="Roboto Slab"/>
+                <a:ea typeface="Roboto Slab"/>
+              </a:rPr>
+              <a:t>key?</a:t>
             </a:r>
             <a:endParaRPr lang="en-US" sz="2800" b="0" strike="noStrike" spc="-1" dirty="0">
               <a:latin typeface="Arial"/>
@@ -13229,14 +13564,64 @@
         </p:blipFill>
         <p:spPr>
           <a:xfrm>
-            <a:off x="60233" y="1352880"/>
-            <a:ext cx="9022814" cy="5769352"/>
+            <a:off x="275421" y="2159382"/>
+            <a:ext cx="8460955" cy="4962850"/>
           </a:xfrm>
           <a:prstGeom prst="rect">
             <a:avLst/>
           </a:prstGeom>
         </p:spPr>
       </p:pic>
+      <p:sp>
+        <p:nvSpPr>
+          <p:cNvPr id="3" name="Rectangle 2"/>
+          <p:cNvSpPr/>
+          <p:nvPr/>
+        </p:nvSpPr>
+        <p:spPr>
+          <a:xfrm>
+            <a:off x="628560" y="1415634"/>
+            <a:ext cx="8339170" cy="646331"/>
+          </a:xfrm>
+          <a:prstGeom prst="rect">
+            <a:avLst/>
+          </a:prstGeom>
+        </p:spPr>
+        <p:txBody>
+          <a:bodyPr wrap="square">
+            <a:spAutoFit/>
+          </a:bodyPr>
+          <a:lstStyle/>
+          <a:p>
+            <a:pPr>
+              <a:lnSpc>
+                <a:spcPct val="100000"/>
+              </a:lnSpc>
+            </a:pPr>
+            <a:r>
+              <a:rPr lang="en-US" spc="-1" dirty="0"/>
+              <a:t>In this Query I am using </a:t>
+            </a:r>
+            <a:r>
+              <a:rPr lang="en-US" spc="-1" dirty="0" smtClean="0"/>
+              <a:t>reduce by key function </a:t>
+            </a:r>
+            <a:r>
+              <a:rPr lang="en-US" spc="-1" dirty="0" err="1" smtClean="0"/>
+              <a:t>sortby</a:t>
+            </a:r>
+            <a:r>
+              <a:rPr lang="en-US" spc="-1" dirty="0" smtClean="0"/>
+              <a:t> function </a:t>
+            </a:r>
+            <a:r>
+              <a:rPr lang="en-US" spc="-1" dirty="0"/>
+              <a:t>and map function for getting corresponding Results</a:t>
+            </a:r>
+            <a:endParaRPr lang="en-US" spc="-1" dirty="0"/>
+          </a:p>
+        </p:txBody>
+      </p:sp>
     </p:spTree>
     <p:extLst>
       <p:ext uri="{BB962C8B-B14F-4D97-AF65-F5344CB8AC3E}">
@@ -13255,6 +13640,13 @@
       <p:transition spd="slow"/>
     </mc:Fallback>
   </mc:AlternateContent>
+  <p:timing>
+    <p:tnLst>
+      <p:par>
+        <p:cTn id="1" dur="indefinite" restart="never" nodeType="tmRoot"/>
+      </p:par>
+    </p:tnLst>
+  </p:timing>
 </p:sld>
 </file>
 
@@ -13284,7 +13676,7 @@
     <mc:Choice Requires="p14">
       <p:transition spd="slow" p14:dur="2000"/>
     </mc:Choice>
-    <mc:Fallback xmlns="" xmlns:p15="http://schemas.microsoft.com/office/powerpoint/2012/main">
+    <mc:Fallback xmlns:p15="http://schemas.microsoft.com/office/powerpoint/2012/main" xmlns="">
       <p:transition spd="slow"/>
     </mc:Fallback>
   </mc:AlternateContent>
@@ -13430,10 +13822,17 @@
     <mc:Choice Requires="p14">
       <p:transition spd="slow" p14:dur="2000"/>
     </mc:Choice>
-    <mc:Fallback xmlns="" xmlns:p15="http://schemas.microsoft.com/office/powerpoint/2012/main">
+    <mc:Fallback xmlns:p15="http://schemas.microsoft.com/office/powerpoint/2012/main" xmlns="">
       <p:transition spd="slow"/>
     </mc:Fallback>
   </mc:AlternateContent>
+  <p:timing>
+    <p:tnLst>
+      <p:par>
+        <p:cTn id="1" dur="indefinite" restart="never" nodeType="tmRoot"/>
+      </p:par>
+    </p:tnLst>
+  </p:timing>
 </p:sld>
 </file>
 
@@ -13585,10 +13984,17 @@
     <mc:Choice Requires="p14">
       <p:transition spd="slow" p14:dur="2000"/>
     </mc:Choice>
-    <mc:Fallback xmlns="" xmlns:p15="http://schemas.microsoft.com/office/powerpoint/2012/main">
+    <mc:Fallback xmlns:p15="http://schemas.microsoft.com/office/powerpoint/2012/main" xmlns="">
       <p:transition spd="slow"/>
     </mc:Fallback>
   </mc:AlternateContent>
+  <p:timing>
+    <p:tnLst>
+      <p:par>
+        <p:cTn id="1" dur="indefinite" restart="never" nodeType="tmRoot"/>
+      </p:par>
+    </p:tnLst>
+  </p:timing>
 </p:sld>
 </file>
 
@@ -13912,10 +14318,17 @@
     <mc:Choice Requires="p14">
       <p:transition spd="slow" p14:dur="2000"/>
     </mc:Choice>
-    <mc:Fallback xmlns="" xmlns:p15="http://schemas.microsoft.com/office/powerpoint/2012/main">
+    <mc:Fallback xmlns:p15="http://schemas.microsoft.com/office/powerpoint/2012/main" xmlns="">
       <p:transition spd="slow"/>
     </mc:Fallback>
   </mc:AlternateContent>
+  <p:timing>
+    <p:tnLst>
+      <p:par>
+        <p:cTn id="1" dur="indefinite" restart="never" nodeType="tmRoot"/>
+      </p:par>
+    </p:tnLst>
+  </p:timing>
 </p:sld>
 </file>
 
@@ -14240,10 +14653,17 @@
     <mc:Choice Requires="p14">
       <p:transition spd="slow" p14:dur="2000"/>
     </mc:Choice>
-    <mc:Fallback xmlns="" xmlns:p15="http://schemas.microsoft.com/office/powerpoint/2012/main">
+    <mc:Fallback xmlns:p15="http://schemas.microsoft.com/office/powerpoint/2012/main" xmlns="">
       <p:transition spd="slow"/>
     </mc:Fallback>
   </mc:AlternateContent>
+  <p:timing>
+    <p:tnLst>
+      <p:par>
+        <p:cTn id="1" dur="indefinite" restart="never" nodeType="tmRoot"/>
+      </p:par>
+    </p:tnLst>
+  </p:timing>
 </p:sld>
 </file>
 
@@ -14536,10 +14956,17 @@
     <mc:Choice Requires="p14">
       <p:transition spd="slow" p14:dur="2000"/>
     </mc:Choice>
-    <mc:Fallback xmlns="" xmlns:p15="http://schemas.microsoft.com/office/powerpoint/2012/main">
+    <mc:Fallback xmlns:p15="http://schemas.microsoft.com/office/powerpoint/2012/main" xmlns="">
       <p:transition spd="slow"/>
     </mc:Fallback>
   </mc:AlternateContent>
+  <p:timing>
+    <p:tnLst>
+      <p:par>
+        <p:cTn id="1" dur="indefinite" restart="never" nodeType="tmRoot"/>
+      </p:par>
+    </p:tnLst>
+  </p:timing>
 </p:sld>
 </file>
 
@@ -14801,7 +15228,7 @@
         </p:style>
         <p:txBody>
           <a:bodyPr lIns="90000" tIns="45000" rIns="90000" bIns="45000" anchor="ctr">
-            <a:normAutofit fontScale="81500" lnSpcReduction="10000"/>
+            <a:normAutofit fontScale="81500" lnSpcReduction="20000"/>
           </a:bodyPr>
           <a:lstStyle/>
           <a:p>
@@ -14864,10 +15291,17 @@
     <mc:Choice Requires="p14">
       <p:transition spd="slow" p14:dur="2000"/>
     </mc:Choice>
-    <mc:Fallback xmlns="" xmlns:p15="http://schemas.microsoft.com/office/powerpoint/2012/main">
+    <mc:Fallback xmlns:p15="http://schemas.microsoft.com/office/powerpoint/2012/main" xmlns="">
       <p:transition spd="slow"/>
     </mc:Fallback>
   </mc:AlternateContent>
+  <p:timing>
+    <p:tnLst>
+      <p:par>
+        <p:cTn id="1" dur="indefinite" restart="never" nodeType="tmRoot"/>
+      </p:par>
+    </p:tnLst>
+  </p:timing>
 </p:sld>
 </file>
 
@@ -15191,10 +15625,17 @@
     <mc:Choice Requires="p14">
       <p:transition spd="slow" p14:dur="2000"/>
     </mc:Choice>
-    <mc:Fallback xmlns="" xmlns:p15="http://schemas.microsoft.com/office/powerpoint/2012/main">
+    <mc:Fallback xmlns:p15="http://schemas.microsoft.com/office/powerpoint/2012/main" xmlns="">
       <p:transition spd="slow"/>
     </mc:Fallback>
   </mc:AlternateContent>
+  <p:timing>
+    <p:tnLst>
+      <p:par>
+        <p:cTn id="1" dur="indefinite" restart="never" nodeType="tmRoot"/>
+      </p:par>
+    </p:tnLst>
+  </p:timing>
 </p:sld>
 </file>
 
